--- a/POO II - Desk Calculator.pptx
+++ b/POO II - Desk Calculator.pptx
@@ -20,21 +20,22 @@
     <p:sldId id="265" r:id="rId15"/>
     <p:sldId id="266" r:id="rId16"/>
     <p:sldId id="267" r:id="rId17"/>
+    <p:sldId id="268" r:id="rId18"/>
   </p:sldIdLst>
   <p:sldSz cy="5143500" cx="9144000"/>
   <p:notesSz cx="6858000" cy="9144000"/>
   <p:embeddedFontLst>
     <p:embeddedFont>
       <p:font typeface="Roboto Slab"/>
-      <p:regular r:id="rId18"/>
-      <p:bold r:id="rId19"/>
+      <p:regular r:id="rId19"/>
+      <p:bold r:id="rId20"/>
     </p:embeddedFont>
     <p:embeddedFont>
       <p:font typeface="Roboto"/>
-      <p:regular r:id="rId20"/>
-      <p:bold r:id="rId21"/>
-      <p:italic r:id="rId22"/>
-      <p:boldItalic r:id="rId23"/>
+      <p:regular r:id="rId21"/>
+      <p:bold r:id="rId22"/>
+      <p:italic r:id="rId23"/>
+      <p:boldItalic r:id="rId24"/>
     </p:embeddedFont>
   </p:embeddedFontLst>
   <p:defaultTextStyle>
@@ -815,7 +816,7 @@
   <p:cSld>
     <p:spTree>
       <p:nvGrpSpPr>
-        <p:cNvPr id="122" name="Shape 122"/>
+        <p:cNvPr id="120" name="Shape 120"/>
         <p:cNvGrpSpPr/>
         <p:nvPr/>
       </p:nvGrpSpPr>
@@ -829,7 +830,7 @@
       </p:grpSpPr>
       <p:sp>
         <p:nvSpPr>
-          <p:cNvPr id="123" name="Google Shape;123;g6575f04a4b_0_1:notes"/>
+          <p:cNvPr id="121" name="Google Shape;121;g6571176fa2_0_59:notes"/>
           <p:cNvSpPr/>
           <p:nvPr>
             <p:ph idx="2" type="sldImg"/>
@@ -864,7 +865,7 @@
       </p:sp>
       <p:sp>
         <p:nvSpPr>
-          <p:cNvPr id="124" name="Google Shape;124;g6575f04a4b_0_1:notes"/>
+          <p:cNvPr id="122" name="Google Shape;122;g6571176fa2_0_59:notes"/>
           <p:cNvSpPr txBox="1"/>
           <p:nvPr>
             <p:ph idx="1" type="body"/>
@@ -914,7 +915,7 @@
   <p:cSld>
     <p:spTree>
       <p:nvGrpSpPr>
-        <p:cNvPr id="129" name="Shape 129"/>
+        <p:cNvPr id="128" name="Shape 128"/>
         <p:cNvGrpSpPr/>
         <p:nvPr/>
       </p:nvGrpSpPr>
@@ -928,7 +929,7 @@
       </p:grpSpPr>
       <p:sp>
         <p:nvSpPr>
-          <p:cNvPr id="130" name="Google Shape;130;g6571176fa2_0_64:notes"/>
+          <p:cNvPr id="129" name="Google Shape;129;g6575f04a4b_0_1:notes"/>
           <p:cNvSpPr/>
           <p:nvPr>
             <p:ph idx="2" type="sldImg"/>
@@ -963,7 +964,7 @@
       </p:sp>
       <p:sp>
         <p:nvSpPr>
-          <p:cNvPr id="131" name="Google Shape;131;g6571176fa2_0_64:notes"/>
+          <p:cNvPr id="130" name="Google Shape;130;g6575f04a4b_0_1:notes"/>
           <p:cNvSpPr txBox="1"/>
           <p:nvPr>
             <p:ph idx="1" type="body"/>
@@ -1013,7 +1014,7 @@
   <p:cSld>
     <p:spTree>
       <p:nvGrpSpPr>
-        <p:cNvPr id="137" name="Shape 137"/>
+        <p:cNvPr id="135" name="Shape 135"/>
         <p:cNvGrpSpPr/>
         <p:nvPr/>
       </p:nvGrpSpPr>
@@ -1027,7 +1028,7 @@
       </p:grpSpPr>
       <p:sp>
         <p:nvSpPr>
-          <p:cNvPr id="138" name="Google Shape;138;g6571176fa2_0_69:notes"/>
+          <p:cNvPr id="136" name="Google Shape;136;g6571176fa2_0_64:notes"/>
           <p:cNvSpPr/>
           <p:nvPr>
             <p:ph idx="2" type="sldImg"/>
@@ -1062,7 +1063,106 @@
       </p:sp>
       <p:sp>
         <p:nvSpPr>
-          <p:cNvPr id="139" name="Google Shape;139;g6571176fa2_0_69:notes"/>
+          <p:cNvPr id="137" name="Google Shape;137;g6571176fa2_0_64:notes"/>
+          <p:cNvSpPr txBox="1"/>
+          <p:nvPr>
+            <p:ph idx="1" type="body"/>
+          </p:nvPr>
+        </p:nvSpPr>
+        <p:spPr>
+          <a:xfrm>
+            <a:off x="685800" y="4343400"/>
+            <a:ext cx="5486400" cy="4114800"/>
+          </a:xfrm>
+          <a:prstGeom prst="rect">
+            <a:avLst/>
+          </a:prstGeom>
+        </p:spPr>
+        <p:txBody>
+          <a:bodyPr anchorCtr="0" anchor="t" bIns="91425" lIns="91425" spcFirstLastPara="1" rIns="91425" wrap="square" tIns="91425">
+            <a:noAutofit/>
+          </a:bodyPr>
+          <a:lstStyle/>
+          <a:p>
+            <a:pPr indent="0" lvl="0" marL="0" rtl="0" algn="l">
+              <a:spcBef>
+                <a:spcPts val="0"/>
+              </a:spcBef>
+              <a:spcAft>
+                <a:spcPts val="0"/>
+              </a:spcAft>
+              <a:buNone/>
+            </a:pPr>
+            <a:r>
+              <a:t/>
+            </a:r>
+            <a:endParaRPr/>
+          </a:p>
+        </p:txBody>
+      </p:sp>
+    </p:spTree>
+  </p:cSld>
+  <p:clrMapOvr>
+    <a:masterClrMapping/>
+  </p:clrMapOvr>
+</p:notes>
+</file>
+
+<file path=ppt/notesSlides/notesSlide13.xml><?xml version="1.0" encoding="utf-8"?>
+<p:notes xmlns:a="http://schemas.openxmlformats.org/drawingml/2006/main" xmlns:r="http://schemas.openxmlformats.org/officeDocument/2006/relationships" xmlns:mc="http://schemas.openxmlformats.org/markup-compatibility/2006" xmlns:mv="urn:schemas-microsoft-com:mac:vml" xmlns:p="http://schemas.openxmlformats.org/presentationml/2006/main" xmlns:c="http://schemas.openxmlformats.org/drawingml/2006/chart" xmlns:dgm="http://schemas.openxmlformats.org/drawingml/2006/diagram" xmlns:o="urn:schemas-microsoft-com:office:office" xmlns:v="urn:schemas-microsoft-com:vml" xmlns:pvml="urn:schemas-microsoft-com:office:powerpoint" xmlns:com="http://schemas.openxmlformats.org/drawingml/2006/compatibility" xmlns:p14="http://schemas.microsoft.com/office/powerpoint/2010/main" xmlns:p15="http://schemas.microsoft.com/office/powerpoint/2012/main" showMasterPhAnim="0" showMasterSp="0">
+  <p:cSld>
+    <p:spTree>
+      <p:nvGrpSpPr>
+        <p:cNvPr id="143" name="Shape 143"/>
+        <p:cNvGrpSpPr/>
+        <p:nvPr/>
+      </p:nvGrpSpPr>
+      <p:grpSpPr>
+        <a:xfrm>
+          <a:off x="0" y="0"/>
+          <a:ext cx="0" cy="0"/>
+          <a:chOff x="0" y="0"/>
+          <a:chExt cx="0" cy="0"/>
+        </a:xfrm>
+      </p:grpSpPr>
+      <p:sp>
+        <p:nvSpPr>
+          <p:cNvPr id="144" name="Google Shape;144;g6571176fa2_0_69:notes"/>
+          <p:cNvSpPr/>
+          <p:nvPr>
+            <p:ph idx="2" type="sldImg"/>
+          </p:nvPr>
+        </p:nvSpPr>
+        <p:spPr>
+          <a:xfrm>
+            <a:off x="381300" y="685800"/>
+            <a:ext cx="6096000" cy="3429000"/>
+          </a:xfrm>
+          <a:custGeom>
+            <a:rect b="b" l="l" r="r" t="t"/>
+            <a:pathLst>
+              <a:path extrusionOk="0" h="120000" w="120000">
+                <a:moveTo>
+                  <a:pt x="0" y="0"/>
+                </a:moveTo>
+                <a:lnTo>
+                  <a:pt x="120000" y="0"/>
+                </a:lnTo>
+                <a:lnTo>
+                  <a:pt x="120000" y="120000"/>
+                </a:lnTo>
+                <a:lnTo>
+                  <a:pt x="0" y="120000"/>
+                </a:lnTo>
+                <a:close/>
+              </a:path>
+            </a:pathLst>
+          </a:custGeom>
+        </p:spPr>
+      </p:sp>
+      <p:sp>
+        <p:nvSpPr>
+          <p:cNvPr id="145" name="Google Shape;145;g6571176fa2_0_69:notes"/>
           <p:cNvSpPr txBox="1"/>
           <p:nvPr>
             <p:ph idx="1" type="body"/>
@@ -1126,7 +1226,7 @@
       </p:grpSpPr>
       <p:sp>
         <p:nvSpPr>
-          <p:cNvPr id="66" name="Google Shape;66;g6571176fa2_0_54:notes"/>
+          <p:cNvPr id="66" name="Google Shape;66;g6575f04a4b_1_0:notes"/>
           <p:cNvSpPr/>
           <p:nvPr>
             <p:ph idx="2" type="sldImg"/>
@@ -1161,7 +1261,7 @@
       </p:sp>
       <p:sp>
         <p:nvSpPr>
-          <p:cNvPr id="67" name="Google Shape;67;g6571176fa2_0_54:notes"/>
+          <p:cNvPr id="67" name="Google Shape;67;g6575f04a4b_1_0:notes"/>
           <p:cNvSpPr txBox="1"/>
           <p:nvPr>
             <p:ph idx="1" type="body"/>
@@ -1211,7 +1311,7 @@
   <p:cSld>
     <p:spTree>
       <p:nvGrpSpPr>
-        <p:cNvPr id="72" name="Shape 72"/>
+        <p:cNvPr id="71" name="Shape 71"/>
         <p:cNvGrpSpPr/>
         <p:nvPr/>
       </p:nvGrpSpPr>
@@ -1225,7 +1325,7 @@
       </p:grpSpPr>
       <p:sp>
         <p:nvSpPr>
-          <p:cNvPr id="73" name="Google Shape;73;g6571176fa2_0_76:notes"/>
+          <p:cNvPr id="72" name="Google Shape;72;g6571176fa2_0_54:notes"/>
           <p:cNvSpPr/>
           <p:nvPr>
             <p:ph idx="2" type="sldImg"/>
@@ -1260,7 +1360,7 @@
       </p:sp>
       <p:sp>
         <p:nvSpPr>
-          <p:cNvPr id="74" name="Google Shape;74;g6571176fa2_0_76:notes"/>
+          <p:cNvPr id="73" name="Google Shape;73;g6571176fa2_0_54:notes"/>
           <p:cNvSpPr txBox="1"/>
           <p:nvPr>
             <p:ph idx="1" type="body"/>
@@ -1310,7 +1410,7 @@
   <p:cSld>
     <p:spTree>
       <p:nvGrpSpPr>
-        <p:cNvPr id="79" name="Shape 79"/>
+        <p:cNvPr id="78" name="Shape 78"/>
         <p:cNvGrpSpPr/>
         <p:nvPr/>
       </p:nvGrpSpPr>
@@ -1324,7 +1424,7 @@
       </p:grpSpPr>
       <p:sp>
         <p:nvSpPr>
-          <p:cNvPr id="80" name="Google Shape;80;g6571176fa2_0_90:notes"/>
+          <p:cNvPr id="79" name="Google Shape;79;g6571176fa2_0_76:notes"/>
           <p:cNvSpPr/>
           <p:nvPr>
             <p:ph idx="2" type="sldImg"/>
@@ -1359,7 +1459,7 @@
       </p:sp>
       <p:sp>
         <p:nvSpPr>
-          <p:cNvPr id="81" name="Google Shape;81;g6571176fa2_0_90:notes"/>
+          <p:cNvPr id="80" name="Google Shape;80;g6571176fa2_0_76:notes"/>
           <p:cNvSpPr txBox="1"/>
           <p:nvPr>
             <p:ph idx="1" type="body"/>
@@ -1409,7 +1509,7 @@
   <p:cSld>
     <p:spTree>
       <p:nvGrpSpPr>
-        <p:cNvPr id="86" name="Shape 86"/>
+        <p:cNvPr id="85" name="Shape 85"/>
         <p:cNvGrpSpPr/>
         <p:nvPr/>
       </p:nvGrpSpPr>
@@ -1423,7 +1523,7 @@
       </p:grpSpPr>
       <p:sp>
         <p:nvSpPr>
-          <p:cNvPr id="87" name="Google Shape;87;g6571176fa2_0_98:notes"/>
+          <p:cNvPr id="86" name="Google Shape;86;g6571176fa2_0_90:notes"/>
           <p:cNvSpPr/>
           <p:nvPr>
             <p:ph idx="2" type="sldImg"/>
@@ -1458,7 +1558,7 @@
       </p:sp>
       <p:sp>
         <p:nvSpPr>
-          <p:cNvPr id="88" name="Google Shape;88;g6571176fa2_0_98:notes"/>
+          <p:cNvPr id="87" name="Google Shape;87;g6571176fa2_0_90:notes"/>
           <p:cNvSpPr txBox="1"/>
           <p:nvPr>
             <p:ph idx="1" type="body"/>
@@ -1508,7 +1608,7 @@
   <p:cSld>
     <p:spTree>
       <p:nvGrpSpPr>
-        <p:cNvPr id="93" name="Shape 93"/>
+        <p:cNvPr id="92" name="Shape 92"/>
         <p:cNvGrpSpPr/>
         <p:nvPr/>
       </p:nvGrpSpPr>
@@ -1522,7 +1622,7 @@
       </p:grpSpPr>
       <p:sp>
         <p:nvSpPr>
-          <p:cNvPr id="94" name="Google Shape;94;g6571176fa2_0_106:notes"/>
+          <p:cNvPr id="93" name="Google Shape;93;g6571176fa2_0_98:notes"/>
           <p:cNvSpPr/>
           <p:nvPr>
             <p:ph idx="2" type="sldImg"/>
@@ -1557,7 +1657,7 @@
       </p:sp>
       <p:sp>
         <p:nvSpPr>
-          <p:cNvPr id="95" name="Google Shape;95;g6571176fa2_0_106:notes"/>
+          <p:cNvPr id="94" name="Google Shape;94;g6571176fa2_0_98:notes"/>
           <p:cNvSpPr txBox="1"/>
           <p:nvPr>
             <p:ph idx="1" type="body"/>
@@ -1607,7 +1707,7 @@
   <p:cSld>
     <p:spTree>
       <p:nvGrpSpPr>
-        <p:cNvPr id="100" name="Shape 100"/>
+        <p:cNvPr id="99" name="Shape 99"/>
         <p:cNvGrpSpPr/>
         <p:nvPr/>
       </p:nvGrpSpPr>
@@ -1621,7 +1721,7 @@
       </p:grpSpPr>
       <p:sp>
         <p:nvSpPr>
-          <p:cNvPr id="101" name="Google Shape;101;g6571176fa2_0_112:notes"/>
+          <p:cNvPr id="100" name="Google Shape;100;g6571176fa2_0_106:notes"/>
           <p:cNvSpPr/>
           <p:nvPr>
             <p:ph idx="2" type="sldImg"/>
@@ -1656,7 +1756,7 @@
       </p:sp>
       <p:sp>
         <p:nvSpPr>
-          <p:cNvPr id="102" name="Google Shape;102;g6571176fa2_0_112:notes"/>
+          <p:cNvPr id="101" name="Google Shape;101;g6571176fa2_0_106:notes"/>
           <p:cNvSpPr txBox="1"/>
           <p:nvPr>
             <p:ph idx="1" type="body"/>
@@ -1706,7 +1806,7 @@
   <p:cSld>
     <p:spTree>
       <p:nvGrpSpPr>
-        <p:cNvPr id="107" name="Shape 107"/>
+        <p:cNvPr id="106" name="Shape 106"/>
         <p:cNvGrpSpPr/>
         <p:nvPr/>
       </p:nvGrpSpPr>
@@ -1720,7 +1820,7 @@
       </p:grpSpPr>
       <p:sp>
         <p:nvSpPr>
-          <p:cNvPr id="108" name="Google Shape;108;g6571176fa2_0_119:notes"/>
+          <p:cNvPr id="107" name="Google Shape;107;g6571176fa2_0_112:notes"/>
           <p:cNvSpPr/>
           <p:nvPr>
             <p:ph idx="2" type="sldImg"/>
@@ -1755,7 +1855,7 @@
       </p:sp>
       <p:sp>
         <p:nvSpPr>
-          <p:cNvPr id="109" name="Google Shape;109;g6571176fa2_0_119:notes"/>
+          <p:cNvPr id="108" name="Google Shape;108;g6571176fa2_0_112:notes"/>
           <p:cNvSpPr txBox="1"/>
           <p:nvPr>
             <p:ph idx="1" type="body"/>
@@ -1805,7 +1905,7 @@
   <p:cSld>
     <p:spTree>
       <p:nvGrpSpPr>
-        <p:cNvPr id="114" name="Shape 114"/>
+        <p:cNvPr id="113" name="Shape 113"/>
         <p:cNvGrpSpPr/>
         <p:nvPr/>
       </p:nvGrpSpPr>
@@ -1819,7 +1919,7 @@
       </p:grpSpPr>
       <p:sp>
         <p:nvSpPr>
-          <p:cNvPr id="115" name="Google Shape;115;g6571176fa2_0_59:notes"/>
+          <p:cNvPr id="114" name="Google Shape;114;g6571176fa2_0_119:notes"/>
           <p:cNvSpPr/>
           <p:nvPr>
             <p:ph idx="2" type="sldImg"/>
@@ -1854,7 +1954,7 @@
       </p:sp>
       <p:sp>
         <p:nvSpPr>
-          <p:cNvPr id="116" name="Google Shape;116;g6571176fa2_0_59:notes"/>
+          <p:cNvPr id="115" name="Google Shape;115;g6571176fa2_0_119:notes"/>
           <p:cNvSpPr txBox="1"/>
           <p:nvPr>
             <p:ph idx="1" type="body"/>
@@ -7301,7 +7401,7 @@
   <p:cSld>
     <p:spTree>
       <p:nvGrpSpPr>
-        <p:cNvPr id="125" name="Shape 125"/>
+        <p:cNvPr id="123" name="Shape 123"/>
         <p:cNvGrpSpPr/>
         <p:nvPr/>
       </p:nvGrpSpPr>
@@ -7315,7 +7415,7 @@
       </p:grpSpPr>
       <p:sp>
         <p:nvSpPr>
-          <p:cNvPr id="126" name="Google Shape;126;p22"/>
+          <p:cNvPr id="124" name="Google Shape;124;p22"/>
           <p:cNvSpPr txBox="1"/>
           <p:nvPr>
             <p:ph type="title"/>
@@ -7324,7 +7424,7 @@
         <p:spPr>
           <a:xfrm>
             <a:off x="387900" y="458025"/>
-            <a:ext cx="4184100" cy="686100"/>
+            <a:ext cx="8368200" cy="686100"/>
           </a:xfrm>
           <a:prstGeom prst="rect">
             <a:avLst/>
@@ -7346,16 +7446,24 @@
               <a:buNone/>
             </a:pPr>
             <a:r>
-              <a:rPr lang="es"/>
-              <a:t>Low-level input</a:t>
-            </a:r>
-            <a:endParaRPr/>
+              <a:rPr lang="es">
+                <a:solidFill>
+                  <a:srgbClr val="FF0000"/>
+                </a:solidFill>
+              </a:rPr>
+              <a:t>The input</a:t>
+            </a:r>
+            <a:endParaRPr>
+              <a:solidFill>
+                <a:srgbClr val="FF0000"/>
+              </a:solidFill>
+            </a:endParaRPr>
           </a:p>
         </p:txBody>
       </p:sp>
       <p:sp>
         <p:nvSpPr>
-          <p:cNvPr id="127" name="Google Shape;127;p22"/>
+          <p:cNvPr id="125" name="Google Shape;125;p22"/>
           <p:cNvSpPr txBox="1"/>
           <p:nvPr>
             <p:ph idx="1" type="body"/>
@@ -7376,17 +7484,19 @@
           </a:bodyPr>
           <a:lstStyle/>
           <a:p>
-            <a:pPr indent="0" lvl="0" marL="0" rtl="0" algn="l">
-              <a:spcBef>
-                <a:spcPts val="0"/>
-              </a:spcBef>
-              <a:spcAft>
-                <a:spcPts val="1600"/>
-              </a:spcAft>
-              <a:buNone/>
+            <a:pPr indent="-342900" lvl="0" marL="457200" rtl="0" algn="l">
+              <a:spcBef>
+                <a:spcPts val="0"/>
+              </a:spcBef>
+              <a:spcAft>
+                <a:spcPts val="0"/>
+              </a:spcAft>
+              <a:buSzPts val="1800"/>
+              <a:buChar char="●"/>
             </a:pPr>
             <a:r>
-              <a:t/>
+              <a:rPr lang="es"/>
+              <a:t>Maneja el input y el análisis léxico</a:t>
             </a:r>
             <a:endParaRPr/>
           </a:p>
@@ -7394,7 +7504,7 @@
       </p:sp>
       <p:pic>
         <p:nvPicPr>
-          <p:cNvPr id="128" name="Google Shape;128;p22"/>
+          <p:cNvPr id="126" name="Google Shape;126;p22"/>
           <p:cNvPicPr preferRelativeResize="0"/>
           <p:nvPr/>
         </p:nvPicPr>
@@ -7402,13 +7512,40 @@
           <a:blip r:embed="rId3">
             <a:alphaModFix/>
           </a:blip>
-          <a:srcRect b="6174" l="3790" r="60654" t="11716"/>
+          <a:srcRect b="89613" l="3789" r="64682" t="5101"/>
           <a:stretch/>
         </p:blipFill>
         <p:spPr>
           <a:xfrm>
-            <a:off x="4879025" y="99075"/>
-            <a:ext cx="3807149" cy="4945350"/>
+            <a:off x="4628475" y="1011400"/>
+            <a:ext cx="4280400" cy="403626"/>
+          </a:xfrm>
+          <a:prstGeom prst="rect">
+            <a:avLst/>
+          </a:prstGeom>
+          <a:noFill/>
+          <a:ln>
+            <a:noFill/>
+          </a:ln>
+        </p:spPr>
+      </p:pic>
+      <p:pic>
+        <p:nvPicPr>
+          <p:cNvPr id="127" name="Google Shape;127;p22"/>
+          <p:cNvPicPr preferRelativeResize="0"/>
+          <p:nvPr/>
+        </p:nvPicPr>
+        <p:blipFill rotWithShape="1">
+          <a:blip r:embed="rId3">
+            <a:alphaModFix/>
+          </a:blip>
+          <a:srcRect b="6174" l="52139" r="19258" t="61546"/>
+          <a:stretch/>
+        </p:blipFill>
+        <p:spPr>
+          <a:xfrm>
+            <a:off x="4628475" y="1415025"/>
+            <a:ext cx="4280400" cy="2717075"/>
           </a:xfrm>
           <a:prstGeom prst="rect">
             <a:avLst/>
@@ -7432,7 +7569,7 @@
   <p:cSld>
     <p:spTree>
       <p:nvGrpSpPr>
-        <p:cNvPr id="132" name="Shape 132"/>
+        <p:cNvPr id="131" name="Shape 131"/>
         <p:cNvGrpSpPr/>
         <p:nvPr/>
       </p:nvGrpSpPr>
@@ -7446,7 +7583,7 @@
       </p:grpSpPr>
       <p:sp>
         <p:nvSpPr>
-          <p:cNvPr id="133" name="Google Shape;133;p23"/>
+          <p:cNvPr id="132" name="Google Shape;132;p23"/>
           <p:cNvSpPr txBox="1"/>
           <p:nvPr>
             <p:ph type="title"/>
@@ -7455,7 +7592,7 @@
         <p:spPr>
           <a:xfrm>
             <a:off x="387900" y="458025"/>
-            <a:ext cx="4136100" cy="686100"/>
+            <a:ext cx="4184100" cy="686100"/>
           </a:xfrm>
           <a:prstGeom prst="rect">
             <a:avLst/>
@@ -7477,24 +7614,16 @@
               <a:buNone/>
             </a:pPr>
             <a:r>
-              <a:rPr lang="es">
-                <a:solidFill>
-                  <a:srgbClr val="FF0000"/>
-                </a:solidFill>
-              </a:rPr>
-              <a:t>Error handling</a:t>
-            </a:r>
-            <a:endParaRPr>
-              <a:solidFill>
-                <a:srgbClr val="FF0000"/>
-              </a:solidFill>
-            </a:endParaRPr>
+              <a:rPr lang="es"/>
+              <a:t>Low-level input</a:t>
+            </a:r>
+            <a:endParaRPr/>
           </a:p>
         </p:txBody>
       </p:sp>
       <p:sp>
         <p:nvSpPr>
-          <p:cNvPr id="134" name="Google Shape;134;p23"/>
+          <p:cNvPr id="133" name="Google Shape;133;p23"/>
           <p:cNvSpPr txBox="1"/>
           <p:nvPr>
             <p:ph idx="1" type="body"/>
@@ -7526,8 +7655,56 @@
               <a:buChar char="●"/>
             </a:pPr>
             <a:r>
+              <a:rPr lang="es">
+                <a:solidFill>
+                  <a:srgbClr val="FFFF00"/>
+                </a:solidFill>
+              </a:rPr>
+              <a:t>ip-&gt;get(ch)</a:t>
+            </a:r>
+            <a:r>
               <a:rPr lang="es"/>
-              <a:t>Imprime el error y cuenta los errores.</a:t>
+              <a:t>: lee un caracter simple.</a:t>
+            </a:r>
+            <a:endParaRPr/>
+          </a:p>
+          <a:p>
+            <a:pPr indent="-342900" lvl="0" marL="457200" rtl="0" algn="l">
+              <a:spcBef>
+                <a:spcPts val="0"/>
+              </a:spcBef>
+              <a:spcAft>
+                <a:spcPts val="0"/>
+              </a:spcAft>
+              <a:buSzPts val="1800"/>
+              <a:buChar char="●"/>
+            </a:pPr>
+            <a:r>
+              <a:rPr lang="es">
+                <a:solidFill>
+                  <a:srgbClr val="FFFF00"/>
+                </a:solidFill>
+              </a:rPr>
+              <a:t>isspace(): </a:t>
+            </a:r>
+            <a:r>
+              <a:rPr lang="es"/>
+              <a:t>te permite tener espacios en blanco.</a:t>
+            </a:r>
+            <a:endParaRPr/>
+          </a:p>
+          <a:p>
+            <a:pPr indent="0" lvl="0" marL="0" rtl="0" algn="l">
+              <a:spcBef>
+                <a:spcPts val="1600"/>
+              </a:spcBef>
+              <a:spcAft>
+                <a:spcPts val="1600"/>
+              </a:spcAft>
+              <a:buNone/>
+            </a:pPr>
+            <a:r>
+              <a:t/>
             </a:r>
             <a:endParaRPr/>
           </a:p>
@@ -7535,7 +7712,7 @@
       </p:sp>
       <p:pic>
         <p:nvPicPr>
-          <p:cNvPr id="135" name="Google Shape;135;p23"/>
+          <p:cNvPr id="134" name="Google Shape;134;p23"/>
           <p:cNvPicPr preferRelativeResize="0"/>
           <p:nvPr/>
         </p:nvPicPr>
@@ -7543,40 +7720,13 @@
           <a:blip r:embed="rId3">
             <a:alphaModFix/>
           </a:blip>
-          <a:srcRect b="76860" l="3957" r="79829" t="5006"/>
+          <a:srcRect b="6174" l="3790" r="60654" t="11716"/>
           <a:stretch/>
         </p:blipFill>
         <p:spPr>
           <a:xfrm>
-            <a:off x="5046075" y="988513"/>
-            <a:ext cx="3152894" cy="1809224"/>
-          </a:xfrm>
-          <a:prstGeom prst="rect">
-            <a:avLst/>
-          </a:prstGeom>
-          <a:noFill/>
-          <a:ln>
-            <a:noFill/>
-          </a:ln>
-        </p:spPr>
-      </p:pic>
-      <p:pic>
-        <p:nvPicPr>
-          <p:cNvPr id="136" name="Google Shape;136;p23"/>
-          <p:cNvPicPr preferRelativeResize="0"/>
-          <p:nvPr/>
-        </p:nvPicPr>
-        <p:blipFill rotWithShape="1">
-          <a:blip r:embed="rId3">
-            <a:alphaModFix/>
-          </a:blip>
-          <a:srcRect b="82394" l="52377" r="28609" t="4265"/>
-          <a:stretch/>
-        </p:blipFill>
-        <p:spPr>
-          <a:xfrm>
-            <a:off x="5046075" y="3020009"/>
-            <a:ext cx="3152899" cy="1134980"/>
+            <a:off x="4879025" y="99075"/>
+            <a:ext cx="3807149" cy="4945350"/>
           </a:xfrm>
           <a:prstGeom prst="rect">
             <a:avLst/>
@@ -7600,7 +7750,7 @@
   <p:cSld>
     <p:spTree>
       <p:nvGrpSpPr>
-        <p:cNvPr id="140" name="Shape 140"/>
+        <p:cNvPr id="138" name="Shape 138"/>
         <p:cNvGrpSpPr/>
         <p:nvPr/>
       </p:nvGrpSpPr>
@@ -7614,7 +7764,7 @@
       </p:grpSpPr>
       <p:sp>
         <p:nvSpPr>
-          <p:cNvPr id="141" name="Google Shape;141;p24"/>
+          <p:cNvPr id="139" name="Google Shape;139;p24"/>
           <p:cNvSpPr txBox="1"/>
           <p:nvPr>
             <p:ph type="title"/>
@@ -7623,7 +7773,7 @@
         <p:spPr>
           <a:xfrm>
             <a:off x="387900" y="458025"/>
-            <a:ext cx="8368200" cy="686100"/>
+            <a:ext cx="4136100" cy="686100"/>
           </a:xfrm>
           <a:prstGeom prst="rect">
             <a:avLst/>
@@ -7650,7 +7800,7 @@
                   <a:srgbClr val="FF0000"/>
                 </a:solidFill>
               </a:rPr>
-              <a:t>The driver</a:t>
+              <a:t>Error handling</a:t>
             </a:r>
             <a:endParaRPr>
               <a:solidFill>
@@ -7662,7 +7812,7 @@
       </p:sp>
       <p:sp>
         <p:nvSpPr>
-          <p:cNvPr id="142" name="Google Shape;142;p24"/>
+          <p:cNvPr id="140" name="Google Shape;140;p24"/>
           <p:cNvSpPr txBox="1"/>
           <p:nvPr>
             <p:ph idx="1" type="body"/>
@@ -7695,22 +7845,61 @@
             </a:pPr>
             <a:r>
               <a:rPr lang="es"/>
-              <a:t>Maneja la inicialización, el output y los errores.</a:t>
+              <a:t>Imprime el error y cuenta los errores.</a:t>
             </a:r>
             <a:endParaRPr/>
           </a:p>
           <a:p>
-            <a:pPr indent="0" lvl="0" marL="0" rtl="0" algn="l">
-              <a:spcBef>
-                <a:spcPts val="1600"/>
-              </a:spcBef>
-              <a:spcAft>
-                <a:spcPts val="1600"/>
-              </a:spcAft>
-              <a:buNone/>
+            <a:pPr indent="-342900" lvl="0" marL="457200" rtl="0" algn="l">
+              <a:spcBef>
+                <a:spcPts val="0"/>
+              </a:spcBef>
+              <a:spcAft>
+                <a:spcPts val="0"/>
+              </a:spcAft>
+              <a:buSzPts val="1800"/>
+              <a:buChar char="●"/>
             </a:pPr>
             <a:r>
-              <a:t/>
+              <a:rPr lang="es"/>
+              <a:t>Se usa </a:t>
+            </a:r>
+            <a:r>
+              <a:rPr lang="es">
+                <a:solidFill>
+                  <a:srgbClr val="FFFF00"/>
+                </a:solidFill>
+              </a:rPr>
+              <a:t>extern</a:t>
+            </a:r>
+            <a:r>
+              <a:rPr lang="es"/>
+              <a:t> para declarar variables globales.</a:t>
+            </a:r>
+            <a:endParaRPr/>
+          </a:p>
+          <a:p>
+            <a:pPr indent="-342900" lvl="0" marL="457200" rtl="0" algn="l">
+              <a:spcBef>
+                <a:spcPts val="0"/>
+              </a:spcBef>
+              <a:spcAft>
+                <a:spcPts val="0"/>
+              </a:spcAft>
+              <a:buSzPts val="1800"/>
+              <a:buChar char="●"/>
+            </a:pPr>
+            <a:r>
+              <a:rPr lang="es">
+                <a:solidFill>
+                  <a:srgbClr val="FFFF00"/>
+                </a:solidFill>
+              </a:rPr>
+              <a:t>error( ):</a:t>
+            </a:r>
+            <a:r>
+              <a:rPr lang="es"/>
+              <a:t> cuenta los errores y te los imprime en texto.</a:t>
             </a:r>
             <a:endParaRPr/>
           </a:p>
@@ -7718,7 +7907,219 @@
       </p:sp>
       <p:pic>
         <p:nvPicPr>
-          <p:cNvPr id="143" name="Google Shape;143;p24"/>
+          <p:cNvPr id="141" name="Google Shape;141;p24"/>
+          <p:cNvPicPr preferRelativeResize="0"/>
+          <p:nvPr/>
+        </p:nvPicPr>
+        <p:blipFill rotWithShape="1">
+          <a:blip r:embed="rId3">
+            <a:alphaModFix/>
+          </a:blip>
+          <a:srcRect b="76860" l="3957" r="79829" t="5006"/>
+          <a:stretch/>
+        </p:blipFill>
+        <p:spPr>
+          <a:xfrm>
+            <a:off x="5046075" y="988513"/>
+            <a:ext cx="3152894" cy="1809224"/>
+          </a:xfrm>
+          <a:prstGeom prst="rect">
+            <a:avLst/>
+          </a:prstGeom>
+          <a:noFill/>
+          <a:ln>
+            <a:noFill/>
+          </a:ln>
+        </p:spPr>
+      </p:pic>
+      <p:pic>
+        <p:nvPicPr>
+          <p:cNvPr id="142" name="Google Shape;142;p24"/>
+          <p:cNvPicPr preferRelativeResize="0"/>
+          <p:nvPr/>
+        </p:nvPicPr>
+        <p:blipFill rotWithShape="1">
+          <a:blip r:embed="rId3">
+            <a:alphaModFix/>
+          </a:blip>
+          <a:srcRect b="82394" l="52377" r="28609" t="4265"/>
+          <a:stretch/>
+        </p:blipFill>
+        <p:spPr>
+          <a:xfrm>
+            <a:off x="5046075" y="3020009"/>
+            <a:ext cx="3152899" cy="1134980"/>
+          </a:xfrm>
+          <a:prstGeom prst="rect">
+            <a:avLst/>
+          </a:prstGeom>
+          <a:noFill/>
+          <a:ln>
+            <a:noFill/>
+          </a:ln>
+        </p:spPr>
+      </p:pic>
+    </p:spTree>
+  </p:cSld>
+  <p:clrMapOvr>
+    <a:masterClrMapping/>
+  </p:clrMapOvr>
+</p:sld>
+</file>
+
+<file path=ppt/slides/slide13.xml><?xml version="1.0" encoding="utf-8"?>
+<p:sld xmlns:a="http://schemas.openxmlformats.org/drawingml/2006/main" xmlns:r="http://schemas.openxmlformats.org/officeDocument/2006/relationships" xmlns:mc="http://schemas.openxmlformats.org/markup-compatibility/2006" xmlns:mv="urn:schemas-microsoft-com:mac:vml" xmlns:p="http://schemas.openxmlformats.org/presentationml/2006/main" xmlns:c="http://schemas.openxmlformats.org/drawingml/2006/chart" xmlns:dgm="http://schemas.openxmlformats.org/drawingml/2006/diagram" xmlns:o="urn:schemas-microsoft-com:office:office" xmlns:v="urn:schemas-microsoft-com:vml" xmlns:pvml="urn:schemas-microsoft-com:office:powerpoint" xmlns:com="http://schemas.openxmlformats.org/drawingml/2006/compatibility" xmlns:p14="http://schemas.microsoft.com/office/powerpoint/2010/main" xmlns:p15="http://schemas.microsoft.com/office/powerpoint/2012/main">
+  <p:cSld>
+    <p:spTree>
+      <p:nvGrpSpPr>
+        <p:cNvPr id="146" name="Shape 146"/>
+        <p:cNvGrpSpPr/>
+        <p:nvPr/>
+      </p:nvGrpSpPr>
+      <p:grpSpPr>
+        <a:xfrm>
+          <a:off x="0" y="0"/>
+          <a:ext cx="0" cy="0"/>
+          <a:chOff x="0" y="0"/>
+          <a:chExt cx="0" cy="0"/>
+        </a:xfrm>
+      </p:grpSpPr>
+      <p:sp>
+        <p:nvSpPr>
+          <p:cNvPr id="147" name="Google Shape;147;p25"/>
+          <p:cNvSpPr txBox="1"/>
+          <p:nvPr>
+            <p:ph type="title"/>
+          </p:nvPr>
+        </p:nvSpPr>
+        <p:spPr>
+          <a:xfrm>
+            <a:off x="387900" y="458025"/>
+            <a:ext cx="8368200" cy="686100"/>
+          </a:xfrm>
+          <a:prstGeom prst="rect">
+            <a:avLst/>
+          </a:prstGeom>
+        </p:spPr>
+        <p:txBody>
+          <a:bodyPr anchorCtr="0" anchor="b" bIns="91425" lIns="91425" spcFirstLastPara="1" rIns="91425" wrap="square" tIns="91425">
+            <a:noAutofit/>
+          </a:bodyPr>
+          <a:lstStyle/>
+          <a:p>
+            <a:pPr indent="0" lvl="0" marL="0" rtl="0" algn="l">
+              <a:spcBef>
+                <a:spcPts val="0"/>
+              </a:spcBef>
+              <a:spcAft>
+                <a:spcPts val="0"/>
+              </a:spcAft>
+              <a:buNone/>
+            </a:pPr>
+            <a:r>
+              <a:rPr lang="es">
+                <a:solidFill>
+                  <a:srgbClr val="FF0000"/>
+                </a:solidFill>
+              </a:rPr>
+              <a:t>The driver</a:t>
+            </a:r>
+            <a:endParaRPr>
+              <a:solidFill>
+                <a:srgbClr val="FF0000"/>
+              </a:solidFill>
+            </a:endParaRPr>
+          </a:p>
+        </p:txBody>
+      </p:sp>
+      <p:sp>
+        <p:nvSpPr>
+          <p:cNvPr id="148" name="Google Shape;148;p25"/>
+          <p:cNvSpPr txBox="1"/>
+          <p:nvPr>
+            <p:ph idx="1" type="body"/>
+          </p:nvPr>
+        </p:nvSpPr>
+        <p:spPr>
+          <a:xfrm>
+            <a:off x="387900" y="1489825"/>
+            <a:ext cx="4184100" cy="3078900"/>
+          </a:xfrm>
+          <a:prstGeom prst="rect">
+            <a:avLst/>
+          </a:prstGeom>
+        </p:spPr>
+        <p:txBody>
+          <a:bodyPr anchorCtr="0" anchor="t" bIns="91425" lIns="91425" spcFirstLastPara="1" rIns="91425" wrap="square" tIns="91425">
+            <a:noAutofit/>
+          </a:bodyPr>
+          <a:lstStyle/>
+          <a:p>
+            <a:pPr indent="-342900" lvl="0" marL="457200" rtl="0" algn="l">
+              <a:spcBef>
+                <a:spcPts val="0"/>
+              </a:spcBef>
+              <a:spcAft>
+                <a:spcPts val="0"/>
+              </a:spcAft>
+              <a:buSzPts val="1800"/>
+              <a:buChar char="●"/>
+            </a:pPr>
+            <a:r>
+              <a:rPr lang="es"/>
+              <a:t>Maneja la inicialización, el output y los errores</a:t>
+            </a:r>
+            <a:r>
+              <a:rPr lang="es"/>
+              <a:t>.</a:t>
+            </a:r>
+            <a:endParaRPr/>
+          </a:p>
+          <a:p>
+            <a:pPr indent="-342900" lvl="0" marL="457200" rtl="0" algn="l">
+              <a:spcBef>
+                <a:spcPts val="0"/>
+              </a:spcBef>
+              <a:spcAft>
+                <a:spcPts val="0"/>
+              </a:spcAft>
+              <a:buSzPts val="1800"/>
+              <a:buChar char="●"/>
+            </a:pPr>
+            <a:r>
+              <a:rPr lang="es">
+                <a:solidFill>
+                  <a:srgbClr val="FFFF00"/>
+                </a:solidFill>
+              </a:rPr>
+              <a:t>expr(false)</a:t>
+            </a:r>
+            <a:r>
+              <a:rPr lang="es"/>
+              <a:t>: llama a la función expr, la cual llama a las otras funciones. </a:t>
+            </a:r>
+            <a:endParaRPr/>
+          </a:p>
+          <a:p>
+            <a:pPr indent="0" lvl="0" marL="0" rtl="0" algn="l">
+              <a:spcBef>
+                <a:spcPts val="1600"/>
+              </a:spcBef>
+              <a:spcAft>
+                <a:spcPts val="1600"/>
+              </a:spcAft>
+              <a:buNone/>
+            </a:pPr>
+            <a:r>
+              <a:t/>
+            </a:r>
+            <a:endParaRPr/>
+          </a:p>
+        </p:txBody>
+      </p:sp>
+      <p:pic>
+        <p:nvPicPr>
+          <p:cNvPr id="149" name="Google Shape;149;p25"/>
           <p:cNvPicPr preferRelativeResize="0"/>
           <p:nvPr/>
         </p:nvPicPr>
@@ -7745,7 +8146,7 @@
       </p:pic>
       <p:pic>
         <p:nvPicPr>
-          <p:cNvPr id="144" name="Google Shape;144;p24"/>
+          <p:cNvPr id="150" name="Google Shape;150;p25"/>
           <p:cNvPicPr preferRelativeResize="0"/>
           <p:nvPr/>
         </p:nvPicPr>
@@ -7805,8 +8206,8 @@
         </p:nvSpPr>
         <p:spPr>
           <a:xfrm>
-            <a:off x="457500" y="458025"/>
-            <a:ext cx="3774300" cy="686100"/>
+            <a:off x="387900" y="458025"/>
+            <a:ext cx="8368200" cy="686100"/>
           </a:xfrm>
           <a:prstGeom prst="rect">
             <a:avLst/>
@@ -7828,18 +8229,10 @@
               <a:buNone/>
             </a:pPr>
             <a:r>
-              <a:rPr lang="es">
-                <a:solidFill>
-                  <a:srgbClr val="FF0000"/>
-                </a:solidFill>
-              </a:rPr>
-              <a:t>The parser</a:t>
-            </a:r>
-            <a:endParaRPr>
-              <a:solidFill>
-                <a:srgbClr val="FF0000"/>
-              </a:solidFill>
-            </a:endParaRPr>
+              <a:rPr lang="es"/>
+              <a:t>Partes principales</a:t>
+            </a:r>
+            <a:endParaRPr/>
           </a:p>
         </p:txBody>
       </p:sp>
@@ -7854,6 +8247,207 @@
         <p:spPr>
           <a:xfrm>
             <a:off x="387900" y="1489825"/>
+            <a:ext cx="8368200" cy="1555800"/>
+          </a:xfrm>
+          <a:prstGeom prst="rect">
+            <a:avLst/>
+          </a:prstGeom>
+        </p:spPr>
+        <p:txBody>
+          <a:bodyPr anchorCtr="0" anchor="t" bIns="91425" lIns="91425" spcFirstLastPara="1" rIns="91425" wrap="square" tIns="91425">
+            <a:noAutofit/>
+          </a:bodyPr>
+          <a:lstStyle/>
+          <a:p>
+            <a:pPr indent="-342900" lvl="0" marL="457200" rtl="0" algn="l">
+              <a:spcBef>
+                <a:spcPts val="0"/>
+              </a:spcBef>
+              <a:spcAft>
+                <a:spcPts val="0"/>
+              </a:spcAft>
+              <a:buSzPts val="1800"/>
+              <a:buChar char="●"/>
+            </a:pPr>
+            <a:r>
+              <a:rPr lang="es">
+                <a:solidFill>
+                  <a:srgbClr val="FFFF00"/>
+                </a:solidFill>
+              </a:rPr>
+              <a:t>Parser</a:t>
+            </a:r>
+            <a:r>
+              <a:rPr lang="es"/>
+              <a:t>: hace un análisis sintáctico</a:t>
+            </a:r>
+            <a:endParaRPr/>
+          </a:p>
+          <a:p>
+            <a:pPr indent="-342900" lvl="0" marL="457200" rtl="0" algn="l">
+              <a:spcBef>
+                <a:spcPts val="0"/>
+              </a:spcBef>
+              <a:spcAft>
+                <a:spcPts val="0"/>
+              </a:spcAft>
+              <a:buSzPts val="1800"/>
+              <a:buChar char="●"/>
+            </a:pPr>
+            <a:r>
+              <a:rPr lang="es">
+                <a:solidFill>
+                  <a:srgbClr val="FFFF00"/>
+                </a:solidFill>
+              </a:rPr>
+              <a:t>Input function</a:t>
+            </a:r>
+            <a:r>
+              <a:rPr lang="es"/>
+              <a:t>: </a:t>
+            </a:r>
+            <a:r>
+              <a:rPr lang="es"/>
+              <a:t>Maneja el input y el análisis léxico</a:t>
+            </a:r>
+            <a:endParaRPr/>
+          </a:p>
+          <a:p>
+            <a:pPr indent="-342900" lvl="0" marL="457200" rtl="0" algn="l">
+              <a:spcBef>
+                <a:spcPts val="0"/>
+              </a:spcBef>
+              <a:spcAft>
+                <a:spcPts val="0"/>
+              </a:spcAft>
+              <a:buSzPts val="1800"/>
+              <a:buChar char="●"/>
+            </a:pPr>
+            <a:r>
+              <a:rPr lang="es">
+                <a:solidFill>
+                  <a:srgbClr val="FFFF00"/>
+                </a:solidFill>
+              </a:rPr>
+              <a:t>Symbol table</a:t>
+            </a:r>
+            <a:r>
+              <a:rPr lang="es"/>
+              <a:t>: mantiene información permanente</a:t>
+            </a:r>
+            <a:endParaRPr/>
+          </a:p>
+          <a:p>
+            <a:pPr indent="-342900" lvl="0" marL="457200" rtl="0" algn="l">
+              <a:spcBef>
+                <a:spcPts val="0"/>
+              </a:spcBef>
+              <a:spcAft>
+                <a:spcPts val="0"/>
+              </a:spcAft>
+              <a:buSzPts val="1800"/>
+              <a:buChar char="●"/>
+            </a:pPr>
+            <a:r>
+              <a:rPr lang="es">
+                <a:solidFill>
+                  <a:srgbClr val="FFFF00"/>
+                </a:solidFill>
+              </a:rPr>
+              <a:t>Driver</a:t>
+            </a:r>
+            <a:r>
+              <a:rPr lang="es"/>
+              <a:t>: se encarga de la inicialización, output y errors</a:t>
+            </a:r>
+            <a:endParaRPr/>
+          </a:p>
+        </p:txBody>
+      </p:sp>
+    </p:spTree>
+  </p:cSld>
+  <p:clrMapOvr>
+    <a:masterClrMapping/>
+  </p:clrMapOvr>
+</p:sld>
+</file>
+
+<file path=ppt/slides/slide3.xml><?xml version="1.0" encoding="utf-8"?>
+<p:sld xmlns:a="http://schemas.openxmlformats.org/drawingml/2006/main" xmlns:r="http://schemas.openxmlformats.org/officeDocument/2006/relationships" xmlns:mc="http://schemas.openxmlformats.org/markup-compatibility/2006" xmlns:mv="urn:schemas-microsoft-com:mac:vml" xmlns:p="http://schemas.openxmlformats.org/presentationml/2006/main" xmlns:c="http://schemas.openxmlformats.org/drawingml/2006/chart" xmlns:dgm="http://schemas.openxmlformats.org/drawingml/2006/diagram" xmlns:o="urn:schemas-microsoft-com:office:office" xmlns:v="urn:schemas-microsoft-com:vml" xmlns:pvml="urn:schemas-microsoft-com:office:powerpoint" xmlns:com="http://schemas.openxmlformats.org/drawingml/2006/compatibility" xmlns:p14="http://schemas.microsoft.com/office/powerpoint/2010/main" xmlns:p15="http://schemas.microsoft.com/office/powerpoint/2012/main">
+  <p:cSld>
+    <p:spTree>
+      <p:nvGrpSpPr>
+        <p:cNvPr id="74" name="Shape 74"/>
+        <p:cNvGrpSpPr/>
+        <p:nvPr/>
+      </p:nvGrpSpPr>
+      <p:grpSpPr>
+        <a:xfrm>
+          <a:off x="0" y="0"/>
+          <a:ext cx="0" cy="0"/>
+          <a:chOff x="0" y="0"/>
+          <a:chExt cx="0" cy="0"/>
+        </a:xfrm>
+      </p:grpSpPr>
+      <p:sp>
+        <p:nvSpPr>
+          <p:cNvPr id="75" name="Google Shape;75;p15"/>
+          <p:cNvSpPr txBox="1"/>
+          <p:nvPr>
+            <p:ph type="title"/>
+          </p:nvPr>
+        </p:nvSpPr>
+        <p:spPr>
+          <a:xfrm>
+            <a:off x="457500" y="458025"/>
+            <a:ext cx="3774300" cy="686100"/>
+          </a:xfrm>
+          <a:prstGeom prst="rect">
+            <a:avLst/>
+          </a:prstGeom>
+        </p:spPr>
+        <p:txBody>
+          <a:bodyPr anchorCtr="0" anchor="b" bIns="91425" lIns="91425" spcFirstLastPara="1" rIns="91425" wrap="square" tIns="91425">
+            <a:noAutofit/>
+          </a:bodyPr>
+          <a:lstStyle/>
+          <a:p>
+            <a:pPr indent="0" lvl="0" marL="0" rtl="0" algn="l">
+              <a:spcBef>
+                <a:spcPts val="0"/>
+              </a:spcBef>
+              <a:spcAft>
+                <a:spcPts val="0"/>
+              </a:spcAft>
+              <a:buNone/>
+            </a:pPr>
+            <a:r>
+              <a:rPr lang="es">
+                <a:solidFill>
+                  <a:srgbClr val="FF0000"/>
+                </a:solidFill>
+              </a:rPr>
+              <a:t>The parser</a:t>
+            </a:r>
+            <a:endParaRPr>
+              <a:solidFill>
+                <a:srgbClr val="FF0000"/>
+              </a:solidFill>
+            </a:endParaRPr>
+          </a:p>
+        </p:txBody>
+      </p:sp>
+      <p:sp>
+        <p:nvSpPr>
+          <p:cNvPr id="76" name="Google Shape;76;p15"/>
+          <p:cNvSpPr txBox="1"/>
+          <p:nvPr>
+            <p:ph idx="1" type="body"/>
+          </p:nvPr>
+        </p:nvSpPr>
+        <p:spPr>
+          <a:xfrm>
+            <a:off x="387900" y="1489825"/>
             <a:ext cx="4184100" cy="3078900"/>
           </a:xfrm>
           <a:prstGeom prst="rect">
@@ -7885,7 +8479,7 @@
       </p:sp>
       <p:sp>
         <p:nvSpPr>
-          <p:cNvPr id="71" name="Google Shape;71;p14"/>
+          <p:cNvPr id="77" name="Google Shape;77;p15"/>
           <p:cNvSpPr txBox="1"/>
           <p:nvPr>
             <p:ph idx="1" type="body"/>
@@ -8260,12 +8854,12 @@
 </p:sld>
 </file>
 
-<file path=ppt/slides/slide3.xml><?xml version="1.0" encoding="utf-8"?>
+<file path=ppt/slides/slide4.xml><?xml version="1.0" encoding="utf-8"?>
 <p:sld xmlns:a="http://schemas.openxmlformats.org/drawingml/2006/main" xmlns:r="http://schemas.openxmlformats.org/officeDocument/2006/relationships" xmlns:mc="http://schemas.openxmlformats.org/markup-compatibility/2006" xmlns:mv="urn:schemas-microsoft-com:mac:vml" xmlns:p="http://schemas.openxmlformats.org/presentationml/2006/main" xmlns:c="http://schemas.openxmlformats.org/drawingml/2006/chart" xmlns:dgm="http://schemas.openxmlformats.org/drawingml/2006/diagram" xmlns:o="urn:schemas-microsoft-com:office:office" xmlns:v="urn:schemas-microsoft-com:vml" xmlns:pvml="urn:schemas-microsoft-com:office:powerpoint" xmlns:com="http://schemas.openxmlformats.org/drawingml/2006/compatibility" xmlns:p14="http://schemas.microsoft.com/office/powerpoint/2010/main" xmlns:p15="http://schemas.microsoft.com/office/powerpoint/2012/main">
   <p:cSld>
     <p:spTree>
       <p:nvGrpSpPr>
-        <p:cNvPr id="75" name="Shape 75"/>
+        <p:cNvPr id="81" name="Shape 81"/>
         <p:cNvGrpSpPr/>
         <p:nvPr/>
       </p:nvGrpSpPr>
@@ -8279,7 +8873,7 @@
       </p:grpSpPr>
       <p:sp>
         <p:nvSpPr>
-          <p:cNvPr id="76" name="Google Shape;76;p15"/>
+          <p:cNvPr id="82" name="Google Shape;82;p16"/>
           <p:cNvSpPr txBox="1"/>
           <p:nvPr>
             <p:ph type="title"/>
@@ -8319,7 +8913,7 @@
       </p:sp>
       <p:sp>
         <p:nvSpPr>
-          <p:cNvPr id="77" name="Google Shape;77;p15"/>
+          <p:cNvPr id="83" name="Google Shape;83;p16"/>
           <p:cNvSpPr txBox="1"/>
           <p:nvPr>
             <p:ph idx="1" type="body"/>
@@ -8360,7 +8954,7 @@
       </p:sp>
       <p:pic>
         <p:nvPicPr>
-          <p:cNvPr id="78" name="Google Shape;78;p15"/>
+          <p:cNvPr id="84" name="Google Shape;84;p16"/>
           <p:cNvPicPr preferRelativeResize="0"/>
           <p:nvPr/>
         </p:nvPicPr>
@@ -8375,192 +8969,6 @@
           <a:xfrm>
             <a:off x="4663950" y="652900"/>
             <a:ext cx="3909998" cy="3613599"/>
-          </a:xfrm>
-          <a:prstGeom prst="rect">
-            <a:avLst/>
-          </a:prstGeom>
-          <a:noFill/>
-          <a:ln>
-            <a:noFill/>
-          </a:ln>
-        </p:spPr>
-      </p:pic>
-    </p:spTree>
-  </p:cSld>
-  <p:clrMapOvr>
-    <a:masterClrMapping/>
-  </p:clrMapOvr>
-</p:sld>
-</file>
-
-<file path=ppt/slides/slide4.xml><?xml version="1.0" encoding="utf-8"?>
-<p:sld xmlns:a="http://schemas.openxmlformats.org/drawingml/2006/main" xmlns:r="http://schemas.openxmlformats.org/officeDocument/2006/relationships" xmlns:mc="http://schemas.openxmlformats.org/markup-compatibility/2006" xmlns:mv="urn:schemas-microsoft-com:mac:vml" xmlns:p="http://schemas.openxmlformats.org/presentationml/2006/main" xmlns:c="http://schemas.openxmlformats.org/drawingml/2006/chart" xmlns:dgm="http://schemas.openxmlformats.org/drawingml/2006/diagram" xmlns:o="urn:schemas-microsoft-com:office:office" xmlns:v="urn:schemas-microsoft-com:vml" xmlns:pvml="urn:schemas-microsoft-com:office:powerpoint" xmlns:com="http://schemas.openxmlformats.org/drawingml/2006/compatibility" xmlns:p14="http://schemas.microsoft.com/office/powerpoint/2010/main" xmlns:p15="http://schemas.microsoft.com/office/powerpoint/2012/main">
-  <p:cSld>
-    <p:spTree>
-      <p:nvGrpSpPr>
-        <p:cNvPr id="82" name="Shape 82"/>
-        <p:cNvGrpSpPr/>
-        <p:nvPr/>
-      </p:nvGrpSpPr>
-      <p:grpSpPr>
-        <a:xfrm>
-          <a:off x="0" y="0"/>
-          <a:ext cx="0" cy="0"/>
-          <a:chOff x="0" y="0"/>
-          <a:chExt cx="0" cy="0"/>
-        </a:xfrm>
-      </p:grpSpPr>
-      <p:sp>
-        <p:nvSpPr>
-          <p:cNvPr id="83" name="Google Shape;83;p16"/>
-          <p:cNvSpPr txBox="1"/>
-          <p:nvPr>
-            <p:ph type="title"/>
-          </p:nvPr>
-        </p:nvSpPr>
-        <p:spPr>
-          <a:xfrm>
-            <a:off x="387900" y="458025"/>
-            <a:ext cx="4184100" cy="686100"/>
-          </a:xfrm>
-          <a:prstGeom prst="rect">
-            <a:avLst/>
-          </a:prstGeom>
-        </p:spPr>
-        <p:txBody>
-          <a:bodyPr anchorCtr="0" anchor="b" bIns="91425" lIns="91425" spcFirstLastPara="1" rIns="91425" wrap="square" tIns="91425">
-            <a:noAutofit/>
-          </a:bodyPr>
-          <a:lstStyle/>
-          <a:p>
-            <a:pPr indent="0" lvl="0" marL="0" rtl="0" algn="l">
-              <a:spcBef>
-                <a:spcPts val="0"/>
-              </a:spcBef>
-              <a:spcAft>
-                <a:spcPts val="0"/>
-              </a:spcAft>
-              <a:buNone/>
-            </a:pPr>
-            <a:r>
-              <a:rPr lang="es"/>
-              <a:t>Token_stream</a:t>
-            </a:r>
-            <a:endParaRPr/>
-          </a:p>
-        </p:txBody>
-      </p:sp>
-      <p:sp>
-        <p:nvSpPr>
-          <p:cNvPr id="84" name="Google Shape;84;p16"/>
-          <p:cNvSpPr txBox="1"/>
-          <p:nvPr>
-            <p:ph idx="1" type="body"/>
-          </p:nvPr>
-        </p:nvSpPr>
-        <p:spPr>
-          <a:xfrm>
-            <a:off x="387900" y="1489825"/>
-            <a:ext cx="4184100" cy="3078900"/>
-          </a:xfrm>
-          <a:prstGeom prst="rect">
-            <a:avLst/>
-          </a:prstGeom>
-        </p:spPr>
-        <p:txBody>
-          <a:bodyPr anchorCtr="0" anchor="t" bIns="91425" lIns="91425" spcFirstLastPara="1" rIns="91425" wrap="square" tIns="91425">
-            <a:noAutofit/>
-          </a:bodyPr>
-          <a:lstStyle/>
-          <a:p>
-            <a:pPr indent="-342900" lvl="0" marL="457200" rtl="0" algn="l">
-              <a:spcBef>
-                <a:spcPts val="0"/>
-              </a:spcBef>
-              <a:spcAft>
-                <a:spcPts val="0"/>
-              </a:spcAft>
-              <a:buSzPts val="1800"/>
-              <a:buChar char="●"/>
-            </a:pPr>
-            <a:r>
-              <a:rPr lang="es"/>
-              <a:t>Encapsula los caracteres leídos y sus composiciones en Token’s (Tokenizes)</a:t>
-            </a:r>
-            <a:br>
-              <a:rPr lang="es"/>
-            </a:br>
-            <a:endParaRPr/>
-          </a:p>
-          <a:p>
-            <a:pPr indent="-342900" lvl="0" marL="457200" rtl="0" algn="l">
-              <a:spcBef>
-                <a:spcPts val="0"/>
-              </a:spcBef>
-              <a:spcAft>
-                <a:spcPts val="0"/>
-              </a:spcAft>
-              <a:buSzPts val="1800"/>
-              <a:buChar char="●"/>
-            </a:pPr>
-            <a:r>
-              <a:rPr lang="es">
-                <a:solidFill>
-                  <a:srgbClr val="FF9900"/>
-                </a:solidFill>
-              </a:rPr>
-              <a:t>ts.get()</a:t>
-            </a:r>
-            <a:r>
-              <a:rPr lang="es"/>
-              <a:t> : llama al siguiente Token</a:t>
-            </a:r>
-            <a:endParaRPr/>
-          </a:p>
-          <a:p>
-            <a:pPr indent="-342900" lvl="0" marL="457200" rtl="0" algn="l">
-              <a:spcBef>
-                <a:spcPts val="0"/>
-              </a:spcBef>
-              <a:spcAft>
-                <a:spcPts val="0"/>
-              </a:spcAft>
-              <a:buSzPts val="1800"/>
-              <a:buChar char="●"/>
-            </a:pPr>
-            <a:r>
-              <a:rPr lang="es">
-                <a:solidFill>
-                  <a:srgbClr val="FF9900"/>
-                </a:solidFill>
-              </a:rPr>
-              <a:t>ts.current() </a:t>
-            </a:r>
-            <a:r>
-              <a:rPr lang="es"/>
-              <a:t>: llama al Token actual</a:t>
-            </a:r>
-            <a:endParaRPr/>
-          </a:p>
-        </p:txBody>
-      </p:sp>
-      <p:pic>
-        <p:nvPicPr>
-          <p:cNvPr id="85" name="Google Shape;85;p16"/>
-          <p:cNvPicPr preferRelativeResize="0"/>
-          <p:nvPr/>
-        </p:nvPicPr>
-        <p:blipFill rotWithShape="1">
-          <a:blip r:embed="rId3">
-            <a:alphaModFix/>
-          </a:blip>
-          <a:srcRect b="24978" l="68209" r="0" t="4796"/>
-          <a:stretch/>
-        </p:blipFill>
-        <p:spPr>
-          <a:xfrm>
-            <a:off x="5199175" y="458025"/>
-            <a:ext cx="3271248" cy="4064850"/>
           </a:xfrm>
           <a:prstGeom prst="rect">
             <a:avLst/>
@@ -8584,7 +8992,7 @@
   <p:cSld>
     <p:spTree>
       <p:nvGrpSpPr>
-        <p:cNvPr id="89" name="Shape 89"/>
+        <p:cNvPr id="88" name="Shape 88"/>
         <p:cNvGrpSpPr/>
         <p:nvPr/>
       </p:nvGrpSpPr>
@@ -8598,7 +9006,7 @@
       </p:grpSpPr>
       <p:sp>
         <p:nvSpPr>
-          <p:cNvPr id="90" name="Google Shape;90;p17"/>
+          <p:cNvPr id="89" name="Google Shape;89;p17"/>
           <p:cNvSpPr txBox="1"/>
           <p:nvPr>
             <p:ph type="title"/>
@@ -8630,7 +9038,7 @@
             </a:pPr>
             <a:r>
               <a:rPr lang="es"/>
-              <a:t>Functions</a:t>
+              <a:t>Token_stream</a:t>
             </a:r>
             <a:endParaRPr/>
           </a:p>
@@ -8638,7 +9046,7 @@
       </p:sp>
       <p:sp>
         <p:nvSpPr>
-          <p:cNvPr id="91" name="Google Shape;91;p17"/>
+          <p:cNvPr id="90" name="Google Shape;90;p17"/>
           <p:cNvSpPr txBox="1"/>
           <p:nvPr>
             <p:ph idx="1" type="body"/>
@@ -8671,27 +9079,68 @@
             </a:pPr>
             <a:r>
               <a:rPr lang="es"/>
-              <a:t>Cada función necesita un argumento bool get, el cual indica si la función necesita llamar a </a:t>
-            </a:r>
+              <a:t>Encapsula los caracteres leídos y sus composiciones en Token’s (Tokenizes)</a:t>
+            </a:r>
+            <a:br>
+              <a:rPr lang="es"/>
+            </a:br>
+            <a:endParaRPr/>
+          </a:p>
+          <a:p>
+            <a:pPr indent="-342900" lvl="0" marL="457200" rtl="0" algn="l">
+              <a:spcBef>
+                <a:spcPts val="0"/>
+              </a:spcBef>
+              <a:spcAft>
+                <a:spcPts val="0"/>
+              </a:spcAft>
+              <a:buSzPts val="1800"/>
+              <a:buChar char="●"/>
+            </a:pPr>
             <a:r>
               <a:rPr lang="es">
                 <a:solidFill>
                   <a:srgbClr val="FF9900"/>
                 </a:solidFill>
               </a:rPr>
-              <a:t>Token_stream::get()</a:t>
-            </a:r>
-            <a:endParaRPr>
-              <a:solidFill>
-                <a:srgbClr val="FF9900"/>
-              </a:solidFill>
-            </a:endParaRPr>
+              <a:t>ts.get()</a:t>
+            </a:r>
+            <a:r>
+              <a:rPr lang="es"/>
+              <a:t> : llama al siguiente Token</a:t>
+            </a:r>
+            <a:endParaRPr/>
+          </a:p>
+          <a:p>
+            <a:pPr indent="-342900" lvl="0" marL="457200" rtl="0" algn="l">
+              <a:spcBef>
+                <a:spcPts val="0"/>
+              </a:spcBef>
+              <a:spcAft>
+                <a:spcPts val="0"/>
+              </a:spcAft>
+              <a:buSzPts val="1800"/>
+              <a:buChar char="●"/>
+            </a:pPr>
+            <a:r>
+              <a:rPr lang="es">
+                <a:solidFill>
+                  <a:srgbClr val="FF9900"/>
+                </a:solidFill>
+              </a:rPr>
+              <a:t>ts.current() </a:t>
+            </a:r>
+            <a:r>
+              <a:rPr lang="es"/>
+              <a:t>: llama al Token actual</a:t>
+            </a:r>
+            <a:endParaRPr/>
           </a:p>
         </p:txBody>
       </p:sp>
       <p:pic>
         <p:nvPicPr>
-          <p:cNvPr id="92" name="Google Shape;92;p17"/>
+          <p:cNvPr id="91" name="Google Shape;91;p17"/>
           <p:cNvPicPr preferRelativeResize="0"/>
           <p:nvPr/>
         </p:nvPicPr>
@@ -8699,13 +9148,13 @@
           <a:blip r:embed="rId3">
             <a:alphaModFix/>
           </a:blip>
-          <a:srcRect b="59429" l="4091" r="67636" t="4797"/>
+          <a:srcRect b="24978" l="68209" r="0" t="4796"/>
           <a:stretch/>
         </p:blipFill>
         <p:spPr>
           <a:xfrm>
-            <a:off x="4432888" y="893100"/>
-            <a:ext cx="4325837" cy="3078899"/>
+            <a:off x="5199175" y="458025"/>
+            <a:ext cx="3271248" cy="4064850"/>
           </a:xfrm>
           <a:prstGeom prst="rect">
             <a:avLst/>
@@ -8729,7 +9178,7 @@
   <p:cSld>
     <p:spTree>
       <p:nvGrpSpPr>
-        <p:cNvPr id="96" name="Shape 96"/>
+        <p:cNvPr id="95" name="Shape 95"/>
         <p:cNvGrpSpPr/>
         <p:nvPr/>
       </p:nvGrpSpPr>
@@ -8743,7 +9192,7 @@
       </p:grpSpPr>
       <p:sp>
         <p:nvSpPr>
-          <p:cNvPr id="97" name="Google Shape;97;p18"/>
+          <p:cNvPr id="96" name="Google Shape;96;p18"/>
           <p:cNvSpPr txBox="1"/>
           <p:nvPr>
             <p:ph type="title"/>
@@ -8752,7 +9201,7 @@
         <p:spPr>
           <a:xfrm>
             <a:off x="387900" y="458025"/>
-            <a:ext cx="8368200" cy="686100"/>
+            <a:ext cx="4184100" cy="686100"/>
           </a:xfrm>
           <a:prstGeom prst="rect">
             <a:avLst/>
@@ -8775,7 +9224,7 @@
             </a:pPr>
             <a:r>
               <a:rPr lang="es"/>
-              <a:t>expr( )</a:t>
+              <a:t>Functions</a:t>
             </a:r>
             <a:endParaRPr/>
           </a:p>
@@ -8783,7 +9232,7 @@
       </p:sp>
       <p:sp>
         <p:nvSpPr>
-          <p:cNvPr id="98" name="Google Shape;98;p18"/>
+          <p:cNvPr id="97" name="Google Shape;97;p18"/>
           <p:cNvSpPr txBox="1"/>
           <p:nvPr>
             <p:ph idx="1" type="body"/>
@@ -8792,7 +9241,7 @@
         <p:spPr>
           <a:xfrm>
             <a:off x="387900" y="1489825"/>
-            <a:ext cx="4184100" cy="3078900"/>
+            <a:ext cx="4044900" cy="3078900"/>
           </a:xfrm>
           <a:prstGeom prst="rect">
             <a:avLst/>
@@ -8816,9 +9265,21 @@
             </a:pPr>
             <a:r>
               <a:rPr lang="es"/>
-              <a:t>Se encarga de las operaciones de adición y sustracción.</a:t>
-            </a:r>
-            <a:endParaRPr/>
+              <a:t>Cada función necesita un argumento bool get, el cual indica si la función necesita llamar a </a:t>
+            </a:r>
+            <a:r>
+              <a:rPr lang="es">
+                <a:solidFill>
+                  <a:srgbClr val="FF9900"/>
+                </a:solidFill>
+              </a:rPr>
+              <a:t>Token_stream::get().</a:t>
+            </a:r>
+            <a:endParaRPr>
+              <a:solidFill>
+                <a:srgbClr val="FF9900"/>
+              </a:solidFill>
+            </a:endParaRPr>
           </a:p>
           <a:p>
             <a:pPr indent="-342900" lvl="0" marL="457200" rtl="0" algn="l">
@@ -8828,73 +9289,23 @@
               <a:spcAft>
                 <a:spcPts val="0"/>
               </a:spcAft>
+              <a:buClr>
+                <a:srgbClr val="FF0000"/>
+              </a:buClr>
               <a:buSzPts val="1800"/>
               <a:buChar char="●"/>
             </a:pPr>
             <a:r>
-              <a:rPr lang="es"/>
-              <a:t>Consiste en un loop que busca </a:t>
-            </a:r>
-            <a:r>
               <a:rPr lang="es">
                 <a:solidFill>
-                  <a:srgbClr val="FFFF00"/>
+                  <a:srgbClr val="FF0000"/>
                 </a:solidFill>
               </a:rPr>
-              <a:t>terms</a:t>
-            </a:r>
-            <a:r>
-              <a:rPr lang="es"/>
-              <a:t> para sumar o restar.</a:t>
-            </a:r>
-            <a:endParaRPr/>
-          </a:p>
-          <a:p>
-            <a:pPr indent="-342900" lvl="0" marL="457200" rtl="0" algn="l">
-              <a:spcBef>
-                <a:spcPts val="0"/>
-              </a:spcBef>
-              <a:spcAft>
-                <a:spcPts val="0"/>
-              </a:spcAft>
-              <a:buSzPts val="1800"/>
-              <a:buChar char="●"/>
-            </a:pPr>
-            <a:r>
-              <a:rPr lang="es"/>
-              <a:t>Switch termina cuando se encuentra algo diferente a </a:t>
-            </a:r>
-            <a:r>
-              <a:rPr lang="es">
-                <a:solidFill>
-                  <a:srgbClr val="00FF00"/>
-                </a:solidFill>
-              </a:rPr>
-              <a:t>‘+’</a:t>
-            </a:r>
-            <a:r>
-              <a:rPr lang="es"/>
-              <a:t> o </a:t>
-            </a:r>
-            <a:r>
-              <a:rPr lang="es">
-                <a:solidFill>
-                  <a:srgbClr val="00FF00"/>
-                </a:solidFill>
-              </a:rPr>
-              <a:t>‘-’</a:t>
-            </a:r>
-            <a:r>
-              <a:rPr lang="es">
-                <a:solidFill>
-                  <a:srgbClr val="FFFFFF"/>
-                </a:solidFill>
-              </a:rPr>
-              <a:t>.</a:t>
+              <a:t>Se declara la variable global ‘table’.</a:t>
             </a:r>
             <a:endParaRPr>
               <a:solidFill>
-                <a:srgbClr val="FFFFFF"/>
+                <a:srgbClr val="FF0000"/>
               </a:solidFill>
             </a:endParaRPr>
           </a:p>
@@ -8902,7 +9313,7 @@
       </p:sp>
       <p:pic>
         <p:nvPicPr>
-          <p:cNvPr id="99" name="Google Shape;99;p18"/>
+          <p:cNvPr id="98" name="Google Shape;98;p18"/>
           <p:cNvPicPr preferRelativeResize="0"/>
           <p:nvPr/>
         </p:nvPicPr>
@@ -8910,13 +9321,13 @@
           <a:blip r:embed="rId3">
             <a:alphaModFix/>
           </a:blip>
-          <a:srcRect b="33627" l="52065" r="26085" t="33400"/>
+          <a:srcRect b="59429" l="4091" r="67636" t="4797"/>
           <a:stretch/>
         </p:blipFill>
         <p:spPr>
           <a:xfrm>
-            <a:off x="4920775" y="1032300"/>
-            <a:ext cx="3627274" cy="3078899"/>
+            <a:off x="4432888" y="893100"/>
+            <a:ext cx="4325837" cy="3078899"/>
           </a:xfrm>
           <a:prstGeom prst="rect">
             <a:avLst/>
@@ -8940,7 +9351,7 @@
   <p:cSld>
     <p:spTree>
       <p:nvGrpSpPr>
-        <p:cNvPr id="103" name="Shape 103"/>
+        <p:cNvPr id="102" name="Shape 102"/>
         <p:cNvGrpSpPr/>
         <p:nvPr/>
       </p:nvGrpSpPr>
@@ -8954,7 +9365,7 @@
       </p:grpSpPr>
       <p:sp>
         <p:nvSpPr>
-          <p:cNvPr id="104" name="Google Shape;104;p19"/>
+          <p:cNvPr id="103" name="Google Shape;103;p19"/>
           <p:cNvSpPr txBox="1"/>
           <p:nvPr>
             <p:ph type="title"/>
@@ -8986,11 +9397,7 @@
             </a:pPr>
             <a:r>
               <a:rPr lang="es"/>
-              <a:t>term</a:t>
-            </a:r>
-            <a:r>
-              <a:rPr lang="es"/>
-              <a:t>( )</a:t>
+              <a:t>expr( )</a:t>
             </a:r>
             <a:endParaRPr/>
           </a:p>
@@ -8998,7 +9405,7 @@
       </p:sp>
       <p:sp>
         <p:nvSpPr>
-          <p:cNvPr id="105" name="Google Shape;105;p19"/>
+          <p:cNvPr id="104" name="Google Shape;104;p19"/>
           <p:cNvSpPr txBox="1"/>
           <p:nvPr>
             <p:ph idx="1" type="body"/>
@@ -9031,7 +9438,7 @@
             </a:pPr>
             <a:r>
               <a:rPr lang="es"/>
-              <a:t>Se encarga de las operaciones de multiplicación y división.</a:t>
+              <a:t>Se encarga de las operaciones de adición y sustracción.</a:t>
             </a:r>
             <a:endParaRPr/>
           </a:p>
@@ -9048,7 +9455,7 @@
             </a:pPr>
             <a:r>
               <a:rPr lang="es"/>
-              <a:t>Funciona igual que </a:t>
+              <a:t>Consiste en un loop que busca </a:t>
             </a:r>
             <a:r>
               <a:rPr lang="es">
@@ -9056,11 +9463,11 @@
                   <a:srgbClr val="FFFF00"/>
                 </a:solidFill>
               </a:rPr>
-              <a:t>expr()</a:t>
+              <a:t>terms</a:t>
             </a:r>
             <a:r>
               <a:rPr lang="es"/>
-              <a:t>.</a:t>
+              <a:t> para sumar o restar.</a:t>
             </a:r>
             <a:endParaRPr/>
           </a:p>
@@ -9076,24 +9483,48 @@
               <a:buChar char="●"/>
             </a:pPr>
             <a:r>
+              <a:rPr lang="es"/>
+              <a:t>Switch termina cuando se encuentra algo diferente a </a:t>
+            </a:r>
+            <a:r>
               <a:rPr lang="es">
                 <a:solidFill>
-                  <a:srgbClr val="FFFF00"/>
+                  <a:srgbClr val="00FF00"/>
                 </a:solidFill>
               </a:rPr>
-              <a:t>error</a:t>
+              <a:t>‘+’</a:t>
             </a:r>
             <a:r>
               <a:rPr lang="es"/>
-              <a:t> evalúa si es dividido entre 0.</a:t>
-            </a:r>
-            <a:endParaRPr/>
+              <a:t> o </a:t>
+            </a:r>
+            <a:r>
+              <a:rPr lang="es">
+                <a:solidFill>
+                  <a:srgbClr val="00FF00"/>
+                </a:solidFill>
+              </a:rPr>
+              <a:t>‘-’</a:t>
+            </a:r>
+            <a:r>
+              <a:rPr lang="es">
+                <a:solidFill>
+                  <a:srgbClr val="FFFFFF"/>
+                </a:solidFill>
+              </a:rPr>
+              <a:t>.</a:t>
+            </a:r>
+            <a:endParaRPr>
+              <a:solidFill>
+                <a:srgbClr val="FFFFFF"/>
+              </a:solidFill>
+            </a:endParaRPr>
           </a:p>
         </p:txBody>
       </p:sp>
       <p:pic>
         <p:nvPicPr>
-          <p:cNvPr id="106" name="Google Shape;106;p19"/>
+          <p:cNvPr id="105" name="Google Shape;105;p19"/>
           <p:cNvPicPr preferRelativeResize="0"/>
           <p:nvPr/>
         </p:nvPicPr>
@@ -9101,13 +9532,13 @@
           <a:blip r:embed="rId3">
             <a:alphaModFix/>
           </a:blip>
-          <a:srcRect b="47889" l="36073" r="38452" t="12767"/>
+          <a:srcRect b="33627" l="52065" r="26085" t="33400"/>
           <a:stretch/>
         </p:blipFill>
         <p:spPr>
           <a:xfrm>
-            <a:off x="4822550" y="859450"/>
-            <a:ext cx="3897648" cy="3386200"/>
+            <a:off x="4920775" y="1032300"/>
+            <a:ext cx="3627274" cy="3078899"/>
           </a:xfrm>
           <a:prstGeom prst="rect">
             <a:avLst/>
@@ -9131,7 +9562,7 @@
   <p:cSld>
     <p:spTree>
       <p:nvGrpSpPr>
-        <p:cNvPr id="110" name="Shape 110"/>
+        <p:cNvPr id="109" name="Shape 109"/>
         <p:cNvGrpSpPr/>
         <p:nvPr/>
       </p:nvGrpSpPr>
@@ -9145,7 +9576,7 @@
       </p:grpSpPr>
       <p:sp>
         <p:nvSpPr>
-          <p:cNvPr id="111" name="Google Shape;111;p20"/>
+          <p:cNvPr id="110" name="Google Shape;110;p20"/>
           <p:cNvSpPr txBox="1"/>
           <p:nvPr>
             <p:ph type="title"/>
@@ -9177,7 +9608,7 @@
             </a:pPr>
             <a:r>
               <a:rPr lang="es"/>
-              <a:t>prim</a:t>
+              <a:t>term</a:t>
             </a:r>
             <a:r>
               <a:rPr lang="es"/>
@@ -9189,7 +9620,7 @@
       </p:sp>
       <p:sp>
         <p:nvSpPr>
-          <p:cNvPr id="112" name="Google Shape;112;p20"/>
+          <p:cNvPr id="111" name="Google Shape;111;p20"/>
           <p:cNvSpPr txBox="1"/>
           <p:nvPr>
             <p:ph idx="1" type="body"/>
@@ -9210,17 +9641,73 @@
           </a:bodyPr>
           <a:lstStyle/>
           <a:p>
-            <a:pPr indent="0" lvl="0" marL="0" rtl="0" algn="l">
-              <a:spcBef>
-                <a:spcPts val="0"/>
-              </a:spcBef>
-              <a:spcAft>
-                <a:spcPts val="1600"/>
-              </a:spcAft>
-              <a:buNone/>
+            <a:pPr indent="-342900" lvl="0" marL="457200" rtl="0" algn="l">
+              <a:spcBef>
+                <a:spcPts val="0"/>
+              </a:spcBef>
+              <a:spcAft>
+                <a:spcPts val="0"/>
+              </a:spcAft>
+              <a:buSzPts val="1800"/>
+              <a:buChar char="●"/>
             </a:pPr>
             <a:r>
-              <a:t/>
+              <a:rPr lang="es"/>
+              <a:t>Se encarga de las operaciones de multiplicación y división.</a:t>
+            </a:r>
+            <a:endParaRPr/>
+          </a:p>
+          <a:p>
+            <a:pPr indent="-342900" lvl="0" marL="457200" rtl="0" algn="l">
+              <a:spcBef>
+                <a:spcPts val="0"/>
+              </a:spcBef>
+              <a:spcAft>
+                <a:spcPts val="0"/>
+              </a:spcAft>
+              <a:buSzPts val="1800"/>
+              <a:buChar char="●"/>
+            </a:pPr>
+            <a:r>
+              <a:rPr lang="es"/>
+              <a:t>Funciona igual que </a:t>
+            </a:r>
+            <a:r>
+              <a:rPr lang="es">
+                <a:solidFill>
+                  <a:srgbClr val="FFFF00"/>
+                </a:solidFill>
+              </a:rPr>
+              <a:t>expr()</a:t>
+            </a:r>
+            <a:r>
+              <a:rPr lang="es"/>
+              <a:t>.</a:t>
+            </a:r>
+            <a:endParaRPr/>
+          </a:p>
+          <a:p>
+            <a:pPr indent="-342900" lvl="0" marL="457200" rtl="0" algn="l">
+              <a:spcBef>
+                <a:spcPts val="0"/>
+              </a:spcBef>
+              <a:spcAft>
+                <a:spcPts val="0"/>
+              </a:spcAft>
+              <a:buSzPts val="1800"/>
+              <a:buChar char="●"/>
+            </a:pPr>
+            <a:r>
+              <a:rPr lang="es">
+                <a:solidFill>
+                  <a:srgbClr val="FFFF00"/>
+                </a:solidFill>
+              </a:rPr>
+              <a:t>error</a:t>
+            </a:r>
+            <a:r>
+              <a:rPr lang="es"/>
+              <a:t> evalúa si es dividido entre 0.</a:t>
             </a:r>
             <a:endParaRPr/>
           </a:p>
@@ -9228,7 +9715,7 @@
       </p:sp>
       <p:pic>
         <p:nvPicPr>
-          <p:cNvPr id="113" name="Google Shape;113;p20"/>
+          <p:cNvPr id="112" name="Google Shape;112;p20"/>
           <p:cNvPicPr preferRelativeResize="0"/>
           <p:nvPr/>
         </p:nvPicPr>
@@ -9236,13 +9723,13 @@
           <a:blip r:embed="rId3">
             <a:alphaModFix/>
           </a:blip>
-          <a:srcRect b="14963" l="3775" r="63897" t="9043"/>
+          <a:srcRect b="47889" l="36073" r="38452" t="12767"/>
           <a:stretch/>
         </p:blipFill>
         <p:spPr>
           <a:xfrm>
-            <a:off x="5059975" y="139200"/>
-            <a:ext cx="3389952" cy="4482300"/>
+            <a:off x="4822550" y="859450"/>
+            <a:ext cx="3897648" cy="3386200"/>
           </a:xfrm>
           <a:prstGeom prst="rect">
             <a:avLst/>
@@ -9266,7 +9753,7 @@
   <p:cSld>
     <p:spTree>
       <p:nvGrpSpPr>
-        <p:cNvPr id="117" name="Shape 117"/>
+        <p:cNvPr id="116" name="Shape 116"/>
         <p:cNvGrpSpPr/>
         <p:nvPr/>
       </p:nvGrpSpPr>
@@ -9280,7 +9767,7 @@
       </p:grpSpPr>
       <p:sp>
         <p:nvSpPr>
-          <p:cNvPr id="118" name="Google Shape;118;p21"/>
+          <p:cNvPr id="117" name="Google Shape;117;p21"/>
           <p:cNvSpPr txBox="1"/>
           <p:nvPr>
             <p:ph type="title"/>
@@ -9311,24 +9798,20 @@
               <a:buNone/>
             </a:pPr>
             <a:r>
-              <a:rPr lang="es">
-                <a:solidFill>
-                  <a:srgbClr val="FF0000"/>
-                </a:solidFill>
-              </a:rPr>
-              <a:t>The input</a:t>
-            </a:r>
-            <a:endParaRPr>
-              <a:solidFill>
-                <a:srgbClr val="FF0000"/>
-              </a:solidFill>
-            </a:endParaRPr>
+              <a:rPr lang="es"/>
+              <a:t>prim</a:t>
+            </a:r>
+            <a:r>
+              <a:rPr lang="es"/>
+              <a:t>( )</a:t>
+            </a:r>
+            <a:endParaRPr/>
           </a:p>
         </p:txBody>
       </p:sp>
       <p:sp>
         <p:nvSpPr>
-          <p:cNvPr id="119" name="Google Shape;119;p21"/>
+          <p:cNvPr id="118" name="Google Shape;118;p21"/>
           <p:cNvSpPr txBox="1"/>
           <p:nvPr>
             <p:ph idx="1" type="body"/>
@@ -9361,7 +9844,19 @@
             </a:pPr>
             <a:r>
               <a:rPr lang="es"/>
-              <a:t>Maneja el input y el análisis léxico</a:t>
+              <a:t>Lee el Token y lo define como number, name; en caso de </a:t>
+            </a:r>
+            <a:r>
+              <a:rPr lang="es">
+                <a:solidFill>
+                  <a:srgbClr val="FFFF00"/>
+                </a:solidFill>
+              </a:rPr>
+              <a:t>minus</a:t>
+            </a:r>
+            <a:r>
+              <a:rPr lang="es"/>
+              <a:t>, te convierte la variable en negativo; y lee los paréntesis.</a:t>
             </a:r>
             <a:endParaRPr/>
           </a:p>
@@ -9369,7 +9864,7 @@
       </p:sp>
       <p:pic>
         <p:nvPicPr>
-          <p:cNvPr id="120" name="Google Shape;120;p21"/>
+          <p:cNvPr id="119" name="Google Shape;119;p21"/>
           <p:cNvPicPr preferRelativeResize="0"/>
           <p:nvPr/>
         </p:nvPicPr>
@@ -9377,40 +9872,13 @@
           <a:blip r:embed="rId3">
             <a:alphaModFix/>
           </a:blip>
-          <a:srcRect b="89613" l="3789" r="64682" t="5101"/>
+          <a:srcRect b="14963" l="3775" r="63897" t="9043"/>
           <a:stretch/>
         </p:blipFill>
         <p:spPr>
           <a:xfrm>
-            <a:off x="4628475" y="1011400"/>
-            <a:ext cx="4280400" cy="403626"/>
-          </a:xfrm>
-          <a:prstGeom prst="rect">
-            <a:avLst/>
-          </a:prstGeom>
-          <a:noFill/>
-          <a:ln>
-            <a:noFill/>
-          </a:ln>
-        </p:spPr>
-      </p:pic>
-      <p:pic>
-        <p:nvPicPr>
-          <p:cNvPr id="121" name="Google Shape;121;p21"/>
-          <p:cNvPicPr preferRelativeResize="0"/>
-          <p:nvPr/>
-        </p:nvPicPr>
-        <p:blipFill rotWithShape="1">
-          <a:blip r:embed="rId3">
-            <a:alphaModFix/>
-          </a:blip>
-          <a:srcRect b="6174" l="52139" r="19258" t="61546"/>
-          <a:stretch/>
-        </p:blipFill>
-        <p:spPr>
-          <a:xfrm>
-            <a:off x="4628475" y="1415025"/>
-            <a:ext cx="4280400" cy="2717075"/>
+            <a:off x="5059975" y="139200"/>
+            <a:ext cx="3389952" cy="4482300"/>
           </a:xfrm>
           <a:prstGeom prst="rect">
             <a:avLst/>
